--- a/doc/DriverAttentionSystem.pptx
+++ b/doc/DriverAttentionSystem.pptx
@@ -2436,7 +2436,7 @@
           <a:p>
             <a:fld id="{CDD7E63E-BB35-48C3-84F0-398EB368D837}" type="datetimeFigureOut">
               <a:rPr lang="en-US" smtClean="0"/>
-              <a:t>7/19/2020</a:t>
+              <a:t>8/24/2020</a:t>
             </a:fld>
             <a:endParaRPr lang="en-US"/>
           </a:p>
@@ -2626,7 +2626,7 @@
           <a:p>
             <a:fld id="{CDD7E63E-BB35-48C3-84F0-398EB368D837}" type="datetimeFigureOut">
               <a:rPr lang="en-US" smtClean="0"/>
-              <a:t>7/19/2020</a:t>
+              <a:t>8/24/2020</a:t>
             </a:fld>
             <a:endParaRPr lang="en-US"/>
           </a:p>
@@ -2806,7 +2806,7 @@
           <a:p>
             <a:fld id="{CDD7E63E-BB35-48C3-84F0-398EB368D837}" type="datetimeFigureOut">
               <a:rPr lang="en-US" smtClean="0"/>
-              <a:t>7/19/2020</a:t>
+              <a:t>8/24/2020</a:t>
             </a:fld>
             <a:endParaRPr lang="en-US"/>
           </a:p>
@@ -2976,7 +2976,7 @@
           <a:p>
             <a:fld id="{CDD7E63E-BB35-48C3-84F0-398EB368D837}" type="datetimeFigureOut">
               <a:rPr lang="en-US" smtClean="0"/>
-              <a:t>7/19/2020</a:t>
+              <a:t>8/24/2020</a:t>
             </a:fld>
             <a:endParaRPr lang="en-US"/>
           </a:p>
@@ -3232,7 +3232,7 @@
           <a:p>
             <a:fld id="{CDD7E63E-BB35-48C3-84F0-398EB368D837}" type="datetimeFigureOut">
               <a:rPr lang="en-US" smtClean="0"/>
-              <a:t>7/19/2020</a:t>
+              <a:t>8/24/2020</a:t>
             </a:fld>
             <a:endParaRPr lang="en-US"/>
           </a:p>
@@ -3520,7 +3520,7 @@
           <a:p>
             <a:fld id="{CDD7E63E-BB35-48C3-84F0-398EB368D837}" type="datetimeFigureOut">
               <a:rPr lang="en-US" smtClean="0"/>
-              <a:t>7/19/2020</a:t>
+              <a:t>8/24/2020</a:t>
             </a:fld>
             <a:endParaRPr lang="en-US"/>
           </a:p>
@@ -3958,7 +3958,7 @@
           <a:p>
             <a:fld id="{CDD7E63E-BB35-48C3-84F0-398EB368D837}" type="datetimeFigureOut">
               <a:rPr lang="en-US" smtClean="0"/>
-              <a:t>7/19/2020</a:t>
+              <a:t>8/24/2020</a:t>
             </a:fld>
             <a:endParaRPr lang="en-US"/>
           </a:p>
@@ -4076,7 +4076,7 @@
           <a:p>
             <a:fld id="{CDD7E63E-BB35-48C3-84F0-398EB368D837}" type="datetimeFigureOut">
               <a:rPr lang="en-US" smtClean="0"/>
-              <a:t>7/19/2020</a:t>
+              <a:t>8/24/2020</a:t>
             </a:fld>
             <a:endParaRPr lang="en-US"/>
           </a:p>
@@ -4171,7 +4171,7 @@
           <a:p>
             <a:fld id="{CDD7E63E-BB35-48C3-84F0-398EB368D837}" type="datetimeFigureOut">
               <a:rPr lang="en-US" smtClean="0"/>
-              <a:t>7/19/2020</a:t>
+              <a:t>8/24/2020</a:t>
             </a:fld>
             <a:endParaRPr lang="en-US"/>
           </a:p>
@@ -4527,7 +4527,7 @@
           <a:p>
             <a:fld id="{CDD7E63E-BB35-48C3-84F0-398EB368D837}" type="datetimeFigureOut">
               <a:rPr lang="en-US" smtClean="0"/>
-              <a:t>7/19/2020</a:t>
+              <a:t>8/24/2020</a:t>
             </a:fld>
             <a:endParaRPr lang="en-US"/>
           </a:p>
@@ -4843,7 +4843,7 @@
           <a:p>
             <a:fld id="{CDD7E63E-BB35-48C3-84F0-398EB368D837}" type="datetimeFigureOut">
               <a:rPr lang="en-US" smtClean="0"/>
-              <a:t>7/19/2020</a:t>
+              <a:t>8/24/2020</a:t>
             </a:fld>
             <a:endParaRPr lang="en-US"/>
           </a:p>
@@ -5076,7 +5076,7 @@
           <a:p>
             <a:fld id="{CDD7E63E-BB35-48C3-84F0-398EB368D837}" type="datetimeFigureOut">
               <a:rPr lang="en-US" smtClean="0"/>
-              <a:t>7/19/2020</a:t>
+              <a:t>8/24/2020</a:t>
             </a:fld>
             <a:endParaRPr lang="en-US"/>
           </a:p>
@@ -13979,107 +13979,12 @@
           <a:chExt cx="0" cy="0"/>
         </a:xfrm>
       </p:grpSpPr>
-      <p:sp>
-        <p:nvSpPr>
-          <p:cNvPr id="32" name="Rectangle: Rounded Corners 31">
+      <p:grpSp>
+        <p:nvGrpSpPr>
+          <p:cNvPr id="2" name="Group 1">
             <a:extLst>
               <a:ext uri="{FF2B5EF4-FFF2-40B4-BE49-F238E27FC236}">
-                <a16:creationId xmlns:a16="http://schemas.microsoft.com/office/drawing/2014/main" id="{D13AB697-C0A6-4071-81AA-0D906B647B67}"/>
-              </a:ext>
-            </a:extLst>
-          </p:cNvPr>
-          <p:cNvSpPr/>
-          <p:nvPr/>
-        </p:nvSpPr>
-        <p:spPr>
-          <a:xfrm>
-            <a:off x="227355" y="3054601"/>
-            <a:ext cx="2636950" cy="700389"/>
-          </a:xfrm>
-          <a:prstGeom prst="roundRect">
-            <a:avLst/>
-          </a:prstGeom>
-          <a:ln>
-            <a:solidFill>
-              <a:schemeClr val="tx1"/>
-            </a:solidFill>
-          </a:ln>
-        </p:spPr>
-        <p:style>
-          <a:lnRef idx="1">
-            <a:schemeClr val="accent3"/>
-          </a:lnRef>
-          <a:fillRef idx="2">
-            <a:schemeClr val="accent3"/>
-          </a:fillRef>
-          <a:effectRef idx="1">
-            <a:schemeClr val="accent3"/>
-          </a:effectRef>
-          <a:fontRef idx="minor">
-            <a:schemeClr val="dk1"/>
-          </a:fontRef>
-        </p:style>
-        <p:txBody>
-          <a:bodyPr rtlCol="0" anchor="ctr"/>
-          <a:lstStyle/>
-          <a:p>
-            <a:pPr algn="ctr"/>
-            <a:r>
-              <a:rPr lang="en-US" i="1" dirty="0"/>
-              <a:t>Train/test split</a:t>
-            </a:r>
-          </a:p>
-        </p:txBody>
-      </p:sp>
-      <p:cxnSp>
-        <p:nvCxnSpPr>
-          <p:cNvPr id="34" name="Straight Arrow Connector 33">
-            <a:extLst>
-              <a:ext uri="{FF2B5EF4-FFF2-40B4-BE49-F238E27FC236}">
-                <a16:creationId xmlns:a16="http://schemas.microsoft.com/office/drawing/2014/main" id="{BD537B65-EAC6-48D0-88EC-9B74E1201EAE}"/>
-              </a:ext>
-            </a:extLst>
-          </p:cNvPr>
-          <p:cNvCxnSpPr>
-            <a:cxnSpLocks/>
-            <a:stCxn id="32" idx="3"/>
-            <a:endCxn id="40" idx="1"/>
-          </p:cNvCxnSpPr>
-          <p:nvPr/>
-        </p:nvCxnSpPr>
-        <p:spPr>
-          <a:xfrm>
-            <a:off x="2864305" y="3404796"/>
-            <a:ext cx="494364" cy="392"/>
-          </a:xfrm>
-          <a:prstGeom prst="straightConnector1">
-            <a:avLst/>
-          </a:prstGeom>
-          <a:ln w="50800">
-            <a:tailEnd type="triangle"/>
-          </a:ln>
-        </p:spPr>
-        <p:style>
-          <a:lnRef idx="3">
-            <a:schemeClr val="accent1"/>
-          </a:lnRef>
-          <a:fillRef idx="0">
-            <a:schemeClr val="accent1"/>
-          </a:fillRef>
-          <a:effectRef idx="2">
-            <a:schemeClr val="accent1"/>
-          </a:effectRef>
-          <a:fontRef idx="minor">
-            <a:schemeClr val="tx1"/>
-          </a:fontRef>
-        </p:style>
-      </p:cxnSp>
-      <p:grpSp>
-        <p:nvGrpSpPr>
-          <p:cNvPr id="38" name="Group 37">
-            <a:extLst>
-              <a:ext uri="{FF2B5EF4-FFF2-40B4-BE49-F238E27FC236}">
-                <a16:creationId xmlns:a16="http://schemas.microsoft.com/office/drawing/2014/main" id="{D36D1587-EE1E-40F1-A217-68A34B21058E}"/>
+                <a16:creationId xmlns:a16="http://schemas.microsoft.com/office/drawing/2014/main" id="{D8F8A559-9E18-444E-B880-618749AAA1F6}"/>
               </a:ext>
             </a:extLst>
           </p:cNvPr>
@@ -14088,18 +13993,18 @@
         </p:nvGrpSpPr>
         <p:grpSpPr>
           <a:xfrm>
-            <a:off x="3358669" y="3054601"/>
-            <a:ext cx="2636950" cy="700389"/>
-            <a:chOff x="527599" y="2316724"/>
-            <a:chExt cx="2636950" cy="700389"/>
+            <a:off x="227355" y="3054599"/>
+            <a:ext cx="11817577" cy="1919015"/>
+            <a:chOff x="227355" y="3054599"/>
+            <a:chExt cx="11817577" cy="1919015"/>
           </a:xfrm>
         </p:grpSpPr>
         <p:sp>
           <p:nvSpPr>
-            <p:cNvPr id="39" name="Rectangle: Rounded Corners 38">
+            <p:cNvPr id="32" name="Rectangle: Rounded Corners 31">
               <a:extLst>
                 <a:ext uri="{FF2B5EF4-FFF2-40B4-BE49-F238E27FC236}">
-                  <a16:creationId xmlns:a16="http://schemas.microsoft.com/office/drawing/2014/main" id="{17744E98-C026-44D4-BA05-6B88D53E24F5}"/>
+                  <a16:creationId xmlns:a16="http://schemas.microsoft.com/office/drawing/2014/main" id="{D13AB697-C0A6-4071-81AA-0D906B647B67}"/>
                 </a:ext>
               </a:extLst>
             </p:cNvPr>
@@ -14108,7 +14013,7 @@
           </p:nvSpPr>
           <p:spPr>
             <a:xfrm>
-              <a:off x="527599" y="2316724"/>
+              <a:off x="227355" y="3054601"/>
               <a:ext cx="2636950" cy="700389"/>
             </a:xfrm>
             <a:prstGeom prst="roundRect">
@@ -14135,451 +14040,555 @@
             </a:fontRef>
           </p:style>
           <p:txBody>
-            <a:bodyPr lIns="365760" rtlCol="0" anchor="ctr"/>
+            <a:bodyPr rtlCol="0" anchor="ctr"/>
+            <a:lstStyle/>
+            <a:p>
+              <a:pPr algn="ctr"/>
+              <a:r>
+                <a:rPr lang="en-US" i="1" dirty="0"/>
+                <a:t>Train/test split</a:t>
+              </a:r>
+            </a:p>
+          </p:txBody>
+        </p:sp>
+        <p:cxnSp>
+          <p:nvCxnSpPr>
+            <p:cNvPr id="34" name="Straight Arrow Connector 33">
+              <a:extLst>
+                <a:ext uri="{FF2B5EF4-FFF2-40B4-BE49-F238E27FC236}">
+                  <a16:creationId xmlns:a16="http://schemas.microsoft.com/office/drawing/2014/main" id="{BD537B65-EAC6-48D0-88EC-9B74E1201EAE}"/>
+                </a:ext>
+              </a:extLst>
+            </p:cNvPr>
+            <p:cNvCxnSpPr>
+              <a:cxnSpLocks/>
+              <a:stCxn id="32" idx="3"/>
+              <a:endCxn id="40" idx="1"/>
+            </p:cNvCxnSpPr>
+            <p:nvPr/>
+          </p:nvCxnSpPr>
+          <p:spPr>
+            <a:xfrm>
+              <a:off x="2864305" y="3404796"/>
+              <a:ext cx="494364" cy="392"/>
+            </a:xfrm>
+            <a:prstGeom prst="straightConnector1">
+              <a:avLst/>
+            </a:prstGeom>
+            <a:ln w="50800">
+              <a:tailEnd type="triangle"/>
+            </a:ln>
+          </p:spPr>
+          <p:style>
+            <a:lnRef idx="3">
+              <a:schemeClr val="accent1"/>
+            </a:lnRef>
+            <a:fillRef idx="0">
+              <a:schemeClr val="accent1"/>
+            </a:fillRef>
+            <a:effectRef idx="2">
+              <a:schemeClr val="accent1"/>
+            </a:effectRef>
+            <a:fontRef idx="minor">
+              <a:schemeClr val="tx1"/>
+            </a:fontRef>
+          </p:style>
+        </p:cxnSp>
+        <p:grpSp>
+          <p:nvGrpSpPr>
+            <p:cNvPr id="38" name="Group 37">
+              <a:extLst>
+                <a:ext uri="{FF2B5EF4-FFF2-40B4-BE49-F238E27FC236}">
+                  <a16:creationId xmlns:a16="http://schemas.microsoft.com/office/drawing/2014/main" id="{D36D1587-EE1E-40F1-A217-68A34B21058E}"/>
+                </a:ext>
+              </a:extLst>
+            </p:cNvPr>
+            <p:cNvGrpSpPr/>
+            <p:nvPr/>
+          </p:nvGrpSpPr>
+          <p:grpSpPr>
+            <a:xfrm>
+              <a:off x="3358669" y="3054601"/>
+              <a:ext cx="2636950" cy="700389"/>
+              <a:chOff x="527599" y="2316724"/>
+              <a:chExt cx="2636950" cy="700389"/>
+            </a:xfrm>
+          </p:grpSpPr>
+          <p:sp>
+            <p:nvSpPr>
+              <p:cNvPr id="39" name="Rectangle: Rounded Corners 38">
+                <a:extLst>
+                  <a:ext uri="{FF2B5EF4-FFF2-40B4-BE49-F238E27FC236}">
+                    <a16:creationId xmlns:a16="http://schemas.microsoft.com/office/drawing/2014/main" id="{17744E98-C026-44D4-BA05-6B88D53E24F5}"/>
+                  </a:ext>
+                </a:extLst>
+              </p:cNvPr>
+              <p:cNvSpPr/>
+              <p:nvPr/>
+            </p:nvSpPr>
+            <p:spPr>
+              <a:xfrm>
+                <a:off x="527599" y="2316724"/>
+                <a:ext cx="2636950" cy="700389"/>
+              </a:xfrm>
+              <a:prstGeom prst="roundRect">
+                <a:avLst/>
+              </a:prstGeom>
+              <a:ln>
+                <a:solidFill>
+                  <a:schemeClr val="tx1"/>
+                </a:solidFill>
+              </a:ln>
+            </p:spPr>
+            <p:style>
+              <a:lnRef idx="1">
+                <a:schemeClr val="accent3"/>
+              </a:lnRef>
+              <a:fillRef idx="2">
+                <a:schemeClr val="accent3"/>
+              </a:fillRef>
+              <a:effectRef idx="1">
+                <a:schemeClr val="accent3"/>
+              </a:effectRef>
+              <a:fontRef idx="minor">
+                <a:schemeClr val="dk1"/>
+              </a:fontRef>
+            </p:style>
+            <p:txBody>
+              <a:bodyPr lIns="365760" rtlCol="0" anchor="ctr"/>
+              <a:lstStyle/>
+              <a:p>
+                <a:pPr algn="ctr"/>
+                <a:r>
+                  <a:rPr lang="sr-Cyrl-RS" dirty="0"/>
+                  <a:t>Обучавање</a:t>
+                </a:r>
+                <a:endParaRPr lang="en-US" dirty="0"/>
+              </a:p>
+            </p:txBody>
+          </p:sp>
+          <p:pic>
+            <p:nvPicPr>
+              <p:cNvPr id="40" name="Picture 6" descr="Text x python Icon | Leaf Mimes Iconset | Untergunter">
+                <a:extLst>
+                  <a:ext uri="{FF2B5EF4-FFF2-40B4-BE49-F238E27FC236}">
+                    <a16:creationId xmlns:a16="http://schemas.microsoft.com/office/drawing/2014/main" id="{3CB0E269-9F4F-4AC8-A17F-A0049F49AB1D}"/>
+                  </a:ext>
+                </a:extLst>
+              </p:cNvPr>
+              <p:cNvPicPr>
+                <a:picLocks noChangeAspect="1" noChangeArrowheads="1"/>
+              </p:cNvPicPr>
+              <p:nvPr/>
+            </p:nvPicPr>
+            <p:blipFill>
+              <a:blip r:embed="rId2">
+                <a:extLst>
+                  <a:ext uri="{28A0092B-C50C-407E-A947-70E740481C1C}">
+                    <a14:useLocalDpi xmlns:a14="http://schemas.microsoft.com/office/drawing/2010/main" val="0"/>
+                  </a:ext>
+                </a:extLst>
+              </a:blip>
+              <a:srcRect/>
+              <a:stretch>
+                <a:fillRect/>
+              </a:stretch>
+            </p:blipFill>
+            <p:spPr bwMode="auto">
+              <a:xfrm>
+                <a:off x="527599" y="2384047"/>
+                <a:ext cx="566527" cy="566527"/>
+              </a:xfrm>
+              <a:prstGeom prst="rect">
+                <a:avLst/>
+              </a:prstGeom>
+              <a:noFill/>
+              <a:extLst>
+                <a:ext uri="{909E8E84-426E-40DD-AFC4-6F175D3DCCD1}">
+                  <a14:hiddenFill xmlns:a14="http://schemas.microsoft.com/office/drawing/2010/main">
+                    <a:solidFill>
+                      <a:srgbClr val="FFFFFF"/>
+                    </a:solidFill>
+                  </a14:hiddenFill>
+                </a:ext>
+              </a:extLst>
+            </p:spPr>
+          </p:pic>
+        </p:grpSp>
+        <p:sp>
+          <p:nvSpPr>
+            <p:cNvPr id="53" name="TextBox 52">
+              <a:extLst>
+                <a:ext uri="{FF2B5EF4-FFF2-40B4-BE49-F238E27FC236}">
+                  <a16:creationId xmlns:a16="http://schemas.microsoft.com/office/drawing/2014/main" id="{96D2B0C8-4CF0-4EC0-9FE7-658F7A1B24A6}"/>
+                </a:ext>
+              </a:extLst>
+            </p:cNvPr>
+            <p:cNvSpPr txBox="1"/>
+            <p:nvPr/>
+          </p:nvSpPr>
+          <p:spPr>
+            <a:xfrm>
+              <a:off x="3641932" y="3804062"/>
+              <a:ext cx="2353687" cy="1169551"/>
+            </a:xfrm>
+            <a:prstGeom prst="rect">
+              <a:avLst/>
+            </a:prstGeom>
+            <a:noFill/>
+          </p:spPr>
+          <p:txBody>
+            <a:bodyPr wrap="square" rtlCol="0">
+              <a:spAutoFit/>
+            </a:bodyPr>
+            <a:lstStyle/>
+            <a:p>
+              <a:pPr marL="342900" indent="-342900">
+                <a:buAutoNum type="arabicParenR"/>
+              </a:pPr>
+              <a:r>
+                <a:rPr lang="sr-Cyrl-RS" sz="1400" dirty="0"/>
+                <a:t>Учитавање података</a:t>
+              </a:r>
+            </a:p>
+            <a:p>
+              <a:pPr marL="342900" indent="-342900">
+                <a:buAutoNum type="arabicParenR"/>
+              </a:pPr>
+              <a:r>
+                <a:rPr lang="en-US" sz="1400" i="1" dirty="0"/>
+                <a:t>Train/validate split</a:t>
+              </a:r>
+              <a:endParaRPr lang="sr-Cyrl-RS" sz="1400" i="1" dirty="0"/>
+            </a:p>
+            <a:p>
+              <a:pPr marL="342900" indent="-342900">
+                <a:buAutoNum type="arabicParenR"/>
+              </a:pPr>
+              <a:r>
+                <a:rPr lang="sr-Cyrl-RS" sz="1400" dirty="0"/>
+                <a:t>Обучавање и валидација</a:t>
+              </a:r>
+            </a:p>
+            <a:p>
+              <a:pPr marL="342900" indent="-342900">
+                <a:buAutoNum type="arabicParenR"/>
+              </a:pPr>
+              <a:endParaRPr lang="sr-Cyrl-RS" sz="1400" dirty="0"/>
+            </a:p>
+          </p:txBody>
+        </p:sp>
+        <p:sp>
+          <p:nvSpPr>
+            <p:cNvPr id="62" name="Rectangle: Rounded Corners 61">
+              <a:extLst>
+                <a:ext uri="{FF2B5EF4-FFF2-40B4-BE49-F238E27FC236}">
+                  <a16:creationId xmlns:a16="http://schemas.microsoft.com/office/drawing/2014/main" id="{43898F4E-0C1A-4656-80B5-4523A7635C11}"/>
+                </a:ext>
+              </a:extLst>
+            </p:cNvPr>
+            <p:cNvSpPr/>
+            <p:nvPr/>
+          </p:nvSpPr>
+          <p:spPr>
+            <a:xfrm>
+              <a:off x="6489983" y="3054600"/>
+              <a:ext cx="2636950" cy="700389"/>
+            </a:xfrm>
+            <a:prstGeom prst="roundRect">
+              <a:avLst/>
+            </a:prstGeom>
+            <a:ln>
+              <a:solidFill>
+                <a:schemeClr val="tx1"/>
+              </a:solidFill>
+            </a:ln>
+          </p:spPr>
+          <p:style>
+            <a:lnRef idx="1">
+              <a:schemeClr val="accent3"/>
+            </a:lnRef>
+            <a:fillRef idx="2">
+              <a:schemeClr val="accent3"/>
+            </a:fillRef>
+            <a:effectRef idx="1">
+              <a:schemeClr val="accent3"/>
+            </a:effectRef>
+            <a:fontRef idx="minor">
+              <a:schemeClr val="dk1"/>
+            </a:fontRef>
+          </p:style>
+          <p:txBody>
+            <a:bodyPr rtlCol="0" anchor="ctr"/>
             <a:lstStyle/>
             <a:p>
               <a:pPr algn="ctr"/>
               <a:r>
                 <a:rPr lang="sr-Cyrl-RS" dirty="0"/>
-                <a:t>Обучавање</a:t>
+                <a:t>Коначна валидација </a:t>
               </a:r>
               <a:endParaRPr lang="en-US" dirty="0"/>
             </a:p>
           </p:txBody>
         </p:sp>
-        <p:pic>
-          <p:nvPicPr>
-            <p:cNvPr id="40" name="Picture 6" descr="Text x python Icon | Leaf Mimes Iconset | Untergunter">
+        <p:sp>
+          <p:nvSpPr>
+            <p:cNvPr id="63" name="Rectangle: Rounded Corners 62">
               <a:extLst>
                 <a:ext uri="{FF2B5EF4-FFF2-40B4-BE49-F238E27FC236}">
-                  <a16:creationId xmlns:a16="http://schemas.microsoft.com/office/drawing/2014/main" id="{3CB0E269-9F4F-4AC8-A17F-A0049F49AB1D}"/>
+                  <a16:creationId xmlns:a16="http://schemas.microsoft.com/office/drawing/2014/main" id="{BF8C3971-E903-4CD2-8F92-942944B674D4}"/>
                 </a:ext>
               </a:extLst>
             </p:cNvPr>
-            <p:cNvPicPr>
-              <a:picLocks noChangeAspect="1" noChangeArrowheads="1"/>
-            </p:cNvPicPr>
+            <p:cNvSpPr/>
             <p:nvPr/>
-          </p:nvPicPr>
-          <p:blipFill>
-            <a:blip r:embed="rId2">
+          </p:nvSpPr>
+          <p:spPr>
+            <a:xfrm>
+              <a:off x="9407982" y="3054599"/>
+              <a:ext cx="2636950" cy="700389"/>
+            </a:xfrm>
+            <a:prstGeom prst="roundRect">
+              <a:avLst/>
+            </a:prstGeom>
+            <a:ln>
+              <a:solidFill>
+                <a:schemeClr val="tx1"/>
+              </a:solidFill>
+            </a:ln>
+          </p:spPr>
+          <p:style>
+            <a:lnRef idx="1">
+              <a:schemeClr val="accent3"/>
+            </a:lnRef>
+            <a:fillRef idx="2">
+              <a:schemeClr val="accent3"/>
+            </a:fillRef>
+            <a:effectRef idx="1">
+              <a:schemeClr val="accent3"/>
+            </a:effectRef>
+            <a:fontRef idx="minor">
+              <a:schemeClr val="dk1"/>
+            </a:fontRef>
+          </p:style>
+          <p:txBody>
+            <a:bodyPr rtlCol="0" anchor="ctr"/>
+            <a:lstStyle/>
+            <a:p>
+              <a:pPr algn="ctr"/>
+              <a:r>
+                <a:rPr lang="sr-Cyrl-RS" dirty="0"/>
+                <a:t>Подешавање хипер-параметара</a:t>
+              </a:r>
+              <a:endParaRPr lang="en-US" dirty="0"/>
+            </a:p>
+          </p:txBody>
+        </p:sp>
+        <p:cxnSp>
+          <p:nvCxnSpPr>
+            <p:cNvPr id="68" name="Straight Arrow Connector 67">
               <a:extLst>
-                <a:ext uri="{28A0092B-C50C-407E-A947-70E740481C1C}">
-                  <a14:useLocalDpi xmlns:a14="http://schemas.microsoft.com/office/drawing/2010/main" val="0"/>
+                <a:ext uri="{FF2B5EF4-FFF2-40B4-BE49-F238E27FC236}">
+                  <a16:creationId xmlns:a16="http://schemas.microsoft.com/office/drawing/2014/main" id="{5DF61C9E-9074-4035-AA04-7A2399FA1BC2}"/>
                 </a:ext>
               </a:extLst>
-            </a:blip>
-            <a:srcRect/>
-            <a:stretch>
-              <a:fillRect/>
-            </a:stretch>
-          </p:blipFill>
-          <p:spPr bwMode="auto">
+            </p:cNvPr>
+            <p:cNvCxnSpPr>
+              <a:cxnSpLocks/>
+              <a:stCxn id="39" idx="3"/>
+              <a:endCxn id="62" idx="1"/>
+            </p:cNvCxnSpPr>
+            <p:nvPr/>
+          </p:nvCxnSpPr>
+          <p:spPr>
+            <a:xfrm flipV="1">
+              <a:off x="5995619" y="3404795"/>
+              <a:ext cx="494364" cy="1"/>
+            </a:xfrm>
+            <a:prstGeom prst="straightConnector1">
+              <a:avLst/>
+            </a:prstGeom>
+            <a:ln w="50800">
+              <a:tailEnd type="triangle"/>
+            </a:ln>
+          </p:spPr>
+          <p:style>
+            <a:lnRef idx="3">
+              <a:schemeClr val="accent1"/>
+            </a:lnRef>
+            <a:fillRef idx="0">
+              <a:schemeClr val="accent1"/>
+            </a:fillRef>
+            <a:effectRef idx="2">
+              <a:schemeClr val="accent1"/>
+            </a:effectRef>
+            <a:fontRef idx="minor">
+              <a:schemeClr val="tx1"/>
+            </a:fontRef>
+          </p:style>
+        </p:cxnSp>
+        <p:cxnSp>
+          <p:nvCxnSpPr>
+            <p:cNvPr id="71" name="Straight Arrow Connector 70">
+              <a:extLst>
+                <a:ext uri="{FF2B5EF4-FFF2-40B4-BE49-F238E27FC236}">
+                  <a16:creationId xmlns:a16="http://schemas.microsoft.com/office/drawing/2014/main" id="{39167B92-BC94-4ADF-A652-AC02E8678BF3}"/>
+                </a:ext>
+              </a:extLst>
+            </p:cNvPr>
+            <p:cNvCxnSpPr>
+              <a:cxnSpLocks/>
+              <a:stCxn id="62" idx="3"/>
+              <a:endCxn id="63" idx="1"/>
+            </p:cNvCxnSpPr>
+            <p:nvPr/>
+          </p:nvCxnSpPr>
+          <p:spPr>
+            <a:xfrm flipV="1">
+              <a:off x="9126933" y="3404794"/>
+              <a:ext cx="281049" cy="1"/>
+            </a:xfrm>
+            <a:prstGeom prst="straightConnector1">
+              <a:avLst/>
+            </a:prstGeom>
+            <a:ln w="50800">
+              <a:tailEnd type="triangle"/>
+            </a:ln>
+          </p:spPr>
+          <p:style>
+            <a:lnRef idx="3">
+              <a:schemeClr val="accent1"/>
+            </a:lnRef>
+            <a:fillRef idx="0">
+              <a:schemeClr val="accent1"/>
+            </a:fillRef>
+            <a:effectRef idx="2">
+              <a:schemeClr val="accent1"/>
+            </a:effectRef>
+            <a:fontRef idx="minor">
+              <a:schemeClr val="tx1"/>
+            </a:fontRef>
+          </p:style>
+        </p:cxnSp>
+        <p:cxnSp>
+          <p:nvCxnSpPr>
+            <p:cNvPr id="75" name="Connector: Elbow 74">
+              <a:extLst>
+                <a:ext uri="{FF2B5EF4-FFF2-40B4-BE49-F238E27FC236}">
+                  <a16:creationId xmlns:a16="http://schemas.microsoft.com/office/drawing/2014/main" id="{59E012EB-9B19-4056-9ABD-24BA866A99FC}"/>
+                </a:ext>
+              </a:extLst>
+            </p:cNvPr>
+            <p:cNvCxnSpPr>
+              <a:cxnSpLocks/>
+              <a:endCxn id="32" idx="2"/>
+            </p:cNvCxnSpPr>
+            <p:nvPr/>
+          </p:nvCxnSpPr>
+          <p:spPr>
+            <a:xfrm rot="10800000">
+              <a:off x="1545831" y="3754991"/>
+              <a:ext cx="9180627" cy="1218623"/>
+            </a:xfrm>
+            <a:prstGeom prst="bentConnector2">
+              <a:avLst/>
+            </a:prstGeom>
+            <a:ln w="38100">
+              <a:tailEnd type="triangle"/>
+            </a:ln>
+          </p:spPr>
+          <p:style>
+            <a:lnRef idx="1">
+              <a:schemeClr val="accent1"/>
+            </a:lnRef>
+            <a:fillRef idx="0">
+              <a:schemeClr val="accent1"/>
+            </a:fillRef>
+            <a:effectRef idx="0">
+              <a:schemeClr val="accent1"/>
+            </a:effectRef>
+            <a:fontRef idx="minor">
+              <a:schemeClr val="tx1"/>
+            </a:fontRef>
+          </p:style>
+        </p:cxnSp>
+        <p:cxnSp>
+          <p:nvCxnSpPr>
+            <p:cNvPr id="86" name="Straight Connector 85">
+              <a:extLst>
+                <a:ext uri="{FF2B5EF4-FFF2-40B4-BE49-F238E27FC236}">
+                  <a16:creationId xmlns:a16="http://schemas.microsoft.com/office/drawing/2014/main" id="{47FC3976-27DA-438D-B029-BB31871CED94}"/>
+                </a:ext>
+              </a:extLst>
+            </p:cNvPr>
+            <p:cNvCxnSpPr>
+              <a:cxnSpLocks/>
+              <a:stCxn id="63" idx="2"/>
+            </p:cNvCxnSpPr>
+            <p:nvPr/>
+          </p:nvCxnSpPr>
+          <p:spPr>
             <a:xfrm>
-              <a:off x="527599" y="2384047"/>
-              <a:ext cx="566527" cy="566527"/>
+              <a:off x="10726457" y="3754988"/>
+              <a:ext cx="0" cy="1218625"/>
+            </a:xfrm>
+            <a:prstGeom prst="line">
+              <a:avLst/>
+            </a:prstGeom>
+            <a:ln w="38100"/>
+          </p:spPr>
+          <p:style>
+            <a:lnRef idx="1">
+              <a:schemeClr val="accent1"/>
+            </a:lnRef>
+            <a:fillRef idx="0">
+              <a:schemeClr val="accent1"/>
+            </a:fillRef>
+            <a:effectRef idx="0">
+              <a:schemeClr val="accent1"/>
+            </a:effectRef>
+            <a:fontRef idx="minor">
+              <a:schemeClr val="tx1"/>
+            </a:fontRef>
+          </p:style>
+        </p:cxnSp>
+        <p:sp>
+          <p:nvSpPr>
+            <p:cNvPr id="89" name="TextBox 88">
+              <a:extLst>
+                <a:ext uri="{FF2B5EF4-FFF2-40B4-BE49-F238E27FC236}">
+                  <a16:creationId xmlns:a16="http://schemas.microsoft.com/office/drawing/2014/main" id="{A3EEEDE3-BC3A-49F1-9BB5-166F353CDF39}"/>
+                </a:ext>
+              </a:extLst>
+            </p:cNvPr>
+            <p:cNvSpPr txBox="1"/>
+            <p:nvPr/>
+          </p:nvSpPr>
+          <p:spPr>
+            <a:xfrm>
+              <a:off x="6489983" y="3779524"/>
+              <a:ext cx="2636937" cy="307777"/>
             </a:xfrm>
             <a:prstGeom prst="rect">
               <a:avLst/>
             </a:prstGeom>
             <a:noFill/>
-            <a:extLst>
-              <a:ext uri="{909E8E84-426E-40DD-AFC4-6F175D3DCCD1}">
-                <a14:hiddenFill xmlns:a14="http://schemas.microsoft.com/office/drawing/2010/main">
-                  <a:solidFill>
-                    <a:srgbClr val="FFFFFF"/>
-                  </a:solidFill>
-                </a14:hiddenFill>
-              </a:ext>
-            </a:extLst>
           </p:spPr>
-        </p:pic>
+          <p:txBody>
+            <a:bodyPr wrap="square" rtlCol="0">
+              <a:spAutoFit/>
+            </a:bodyPr>
+            <a:lstStyle/>
+            <a:p>
+              <a:pPr algn="ctr"/>
+              <a:r>
+                <a:rPr lang="sr-Cyrl-RS" sz="1400" dirty="0"/>
+                <a:t>Валидација над тест сетом</a:t>
+              </a:r>
+            </a:p>
+          </p:txBody>
+        </p:sp>
       </p:grpSp>
-      <p:sp>
-        <p:nvSpPr>
-          <p:cNvPr id="53" name="TextBox 52">
-            <a:extLst>
-              <a:ext uri="{FF2B5EF4-FFF2-40B4-BE49-F238E27FC236}">
-                <a16:creationId xmlns:a16="http://schemas.microsoft.com/office/drawing/2014/main" id="{96D2B0C8-4CF0-4EC0-9FE7-658F7A1B24A6}"/>
-              </a:ext>
-            </a:extLst>
-          </p:cNvPr>
-          <p:cNvSpPr txBox="1"/>
-          <p:nvPr/>
-        </p:nvSpPr>
-        <p:spPr>
-          <a:xfrm>
-            <a:off x="3641932" y="3804062"/>
-            <a:ext cx="2353687" cy="1169551"/>
-          </a:xfrm>
-          <a:prstGeom prst="rect">
-            <a:avLst/>
-          </a:prstGeom>
-          <a:noFill/>
-        </p:spPr>
-        <p:txBody>
-          <a:bodyPr wrap="square" rtlCol="0">
-            <a:spAutoFit/>
-          </a:bodyPr>
-          <a:lstStyle/>
-          <a:p>
-            <a:pPr marL="342900" indent="-342900">
-              <a:buAutoNum type="arabicParenR"/>
-            </a:pPr>
-            <a:r>
-              <a:rPr lang="sr-Cyrl-RS" sz="1400" dirty="0"/>
-              <a:t>Учитавање података</a:t>
-            </a:r>
-          </a:p>
-          <a:p>
-            <a:pPr marL="342900" indent="-342900">
-              <a:buAutoNum type="arabicParenR"/>
-            </a:pPr>
-            <a:r>
-              <a:rPr lang="en-US" sz="1400" i="1" dirty="0"/>
-              <a:t>Train/validate split</a:t>
-            </a:r>
-            <a:endParaRPr lang="sr-Cyrl-RS" sz="1400" i="1" dirty="0"/>
-          </a:p>
-          <a:p>
-            <a:pPr marL="342900" indent="-342900">
-              <a:buAutoNum type="arabicParenR"/>
-            </a:pPr>
-            <a:r>
-              <a:rPr lang="sr-Cyrl-RS" sz="1400" dirty="0"/>
-              <a:t>Обучавање и валидација</a:t>
-            </a:r>
-          </a:p>
-          <a:p>
-            <a:pPr marL="342900" indent="-342900">
-              <a:buAutoNum type="arabicParenR"/>
-            </a:pPr>
-            <a:endParaRPr lang="sr-Cyrl-RS" sz="1400" dirty="0"/>
-          </a:p>
-        </p:txBody>
-      </p:sp>
-      <p:sp>
-        <p:nvSpPr>
-          <p:cNvPr id="62" name="Rectangle: Rounded Corners 61">
-            <a:extLst>
-              <a:ext uri="{FF2B5EF4-FFF2-40B4-BE49-F238E27FC236}">
-                <a16:creationId xmlns:a16="http://schemas.microsoft.com/office/drawing/2014/main" id="{43898F4E-0C1A-4656-80B5-4523A7635C11}"/>
-              </a:ext>
-            </a:extLst>
-          </p:cNvPr>
-          <p:cNvSpPr/>
-          <p:nvPr/>
-        </p:nvSpPr>
-        <p:spPr>
-          <a:xfrm>
-            <a:off x="6489983" y="3054600"/>
-            <a:ext cx="2636950" cy="700389"/>
-          </a:xfrm>
-          <a:prstGeom prst="roundRect">
-            <a:avLst/>
-          </a:prstGeom>
-          <a:ln>
-            <a:solidFill>
-              <a:schemeClr val="tx1"/>
-            </a:solidFill>
-          </a:ln>
-        </p:spPr>
-        <p:style>
-          <a:lnRef idx="1">
-            <a:schemeClr val="accent3"/>
-          </a:lnRef>
-          <a:fillRef idx="2">
-            <a:schemeClr val="accent3"/>
-          </a:fillRef>
-          <a:effectRef idx="1">
-            <a:schemeClr val="accent3"/>
-          </a:effectRef>
-          <a:fontRef idx="minor">
-            <a:schemeClr val="dk1"/>
-          </a:fontRef>
-        </p:style>
-        <p:txBody>
-          <a:bodyPr rtlCol="0" anchor="ctr"/>
-          <a:lstStyle/>
-          <a:p>
-            <a:pPr algn="ctr"/>
-            <a:r>
-              <a:rPr lang="sr-Cyrl-RS" dirty="0"/>
-              <a:t>Коначна валидација </a:t>
-            </a:r>
-            <a:endParaRPr lang="en-US" dirty="0"/>
-          </a:p>
-        </p:txBody>
-      </p:sp>
-      <p:sp>
-        <p:nvSpPr>
-          <p:cNvPr id="63" name="Rectangle: Rounded Corners 62">
-            <a:extLst>
-              <a:ext uri="{FF2B5EF4-FFF2-40B4-BE49-F238E27FC236}">
-                <a16:creationId xmlns:a16="http://schemas.microsoft.com/office/drawing/2014/main" id="{BF8C3971-E903-4CD2-8F92-942944B674D4}"/>
-              </a:ext>
-            </a:extLst>
-          </p:cNvPr>
-          <p:cNvSpPr/>
-          <p:nvPr/>
-        </p:nvSpPr>
-        <p:spPr>
-          <a:xfrm>
-            <a:off x="9407982" y="3054599"/>
-            <a:ext cx="2636950" cy="700389"/>
-          </a:xfrm>
-          <a:prstGeom prst="roundRect">
-            <a:avLst/>
-          </a:prstGeom>
-          <a:ln>
-            <a:solidFill>
-              <a:schemeClr val="tx1"/>
-            </a:solidFill>
-          </a:ln>
-        </p:spPr>
-        <p:style>
-          <a:lnRef idx="1">
-            <a:schemeClr val="accent3"/>
-          </a:lnRef>
-          <a:fillRef idx="2">
-            <a:schemeClr val="accent3"/>
-          </a:fillRef>
-          <a:effectRef idx="1">
-            <a:schemeClr val="accent3"/>
-          </a:effectRef>
-          <a:fontRef idx="minor">
-            <a:schemeClr val="dk1"/>
-          </a:fontRef>
-        </p:style>
-        <p:txBody>
-          <a:bodyPr rtlCol="0" anchor="ctr"/>
-          <a:lstStyle/>
-          <a:p>
-            <a:pPr algn="ctr"/>
-            <a:r>
-              <a:rPr lang="sr-Cyrl-RS" dirty="0"/>
-              <a:t>Подешавање </a:t>
-            </a:r>
-            <a:r>
-              <a:rPr lang="en-US" i="1" dirty="0"/>
-              <a:t>Hyper</a:t>
-            </a:r>
-            <a:r>
-              <a:rPr lang="en-US" dirty="0"/>
-              <a:t>-</a:t>
-            </a:r>
-            <a:r>
-              <a:rPr lang="sr-Cyrl-RS" dirty="0"/>
-              <a:t>параметара</a:t>
-            </a:r>
-            <a:endParaRPr lang="en-US" dirty="0"/>
-          </a:p>
-        </p:txBody>
-      </p:sp>
-      <p:cxnSp>
-        <p:nvCxnSpPr>
-          <p:cNvPr id="68" name="Straight Arrow Connector 67">
-            <a:extLst>
-              <a:ext uri="{FF2B5EF4-FFF2-40B4-BE49-F238E27FC236}">
-                <a16:creationId xmlns:a16="http://schemas.microsoft.com/office/drawing/2014/main" id="{5DF61C9E-9074-4035-AA04-7A2399FA1BC2}"/>
-              </a:ext>
-            </a:extLst>
-          </p:cNvPr>
-          <p:cNvCxnSpPr>
-            <a:cxnSpLocks/>
-            <a:stCxn id="39" idx="3"/>
-            <a:endCxn id="62" idx="1"/>
-          </p:cNvCxnSpPr>
-          <p:nvPr/>
-        </p:nvCxnSpPr>
-        <p:spPr>
-          <a:xfrm flipV="1">
-            <a:off x="5995619" y="3404795"/>
-            <a:ext cx="494364" cy="1"/>
-          </a:xfrm>
-          <a:prstGeom prst="straightConnector1">
-            <a:avLst/>
-          </a:prstGeom>
-          <a:ln w="50800">
-            <a:tailEnd type="triangle"/>
-          </a:ln>
-        </p:spPr>
-        <p:style>
-          <a:lnRef idx="3">
-            <a:schemeClr val="accent1"/>
-          </a:lnRef>
-          <a:fillRef idx="0">
-            <a:schemeClr val="accent1"/>
-          </a:fillRef>
-          <a:effectRef idx="2">
-            <a:schemeClr val="accent1"/>
-          </a:effectRef>
-          <a:fontRef idx="minor">
-            <a:schemeClr val="tx1"/>
-          </a:fontRef>
-        </p:style>
-      </p:cxnSp>
-      <p:cxnSp>
-        <p:nvCxnSpPr>
-          <p:cNvPr id="71" name="Straight Arrow Connector 70">
-            <a:extLst>
-              <a:ext uri="{FF2B5EF4-FFF2-40B4-BE49-F238E27FC236}">
-                <a16:creationId xmlns:a16="http://schemas.microsoft.com/office/drawing/2014/main" id="{39167B92-BC94-4ADF-A652-AC02E8678BF3}"/>
-              </a:ext>
-            </a:extLst>
-          </p:cNvPr>
-          <p:cNvCxnSpPr>
-            <a:cxnSpLocks/>
-            <a:stCxn id="62" idx="3"/>
-            <a:endCxn id="63" idx="1"/>
-          </p:cNvCxnSpPr>
-          <p:nvPr/>
-        </p:nvCxnSpPr>
-        <p:spPr>
-          <a:xfrm flipV="1">
-            <a:off x="9126933" y="3404794"/>
-            <a:ext cx="281049" cy="1"/>
-          </a:xfrm>
-          <a:prstGeom prst="straightConnector1">
-            <a:avLst/>
-          </a:prstGeom>
-          <a:ln w="50800">
-            <a:tailEnd type="triangle"/>
-          </a:ln>
-        </p:spPr>
-        <p:style>
-          <a:lnRef idx="3">
-            <a:schemeClr val="accent1"/>
-          </a:lnRef>
-          <a:fillRef idx="0">
-            <a:schemeClr val="accent1"/>
-          </a:fillRef>
-          <a:effectRef idx="2">
-            <a:schemeClr val="accent1"/>
-          </a:effectRef>
-          <a:fontRef idx="minor">
-            <a:schemeClr val="tx1"/>
-          </a:fontRef>
-        </p:style>
-      </p:cxnSp>
-      <p:cxnSp>
-        <p:nvCxnSpPr>
-          <p:cNvPr id="75" name="Connector: Elbow 74">
-            <a:extLst>
-              <a:ext uri="{FF2B5EF4-FFF2-40B4-BE49-F238E27FC236}">
-                <a16:creationId xmlns:a16="http://schemas.microsoft.com/office/drawing/2014/main" id="{59E012EB-9B19-4056-9ABD-24BA866A99FC}"/>
-              </a:ext>
-            </a:extLst>
-          </p:cNvPr>
-          <p:cNvCxnSpPr>
-            <a:cxnSpLocks/>
-            <a:endCxn id="32" idx="2"/>
-          </p:cNvCxnSpPr>
-          <p:nvPr/>
-        </p:nvCxnSpPr>
-        <p:spPr>
-          <a:xfrm rot="10800000">
-            <a:off x="1545831" y="3754991"/>
-            <a:ext cx="9180627" cy="1218623"/>
-          </a:xfrm>
-          <a:prstGeom prst="bentConnector2">
-            <a:avLst/>
-          </a:prstGeom>
-          <a:ln w="38100">
-            <a:tailEnd type="triangle"/>
-          </a:ln>
-        </p:spPr>
-        <p:style>
-          <a:lnRef idx="1">
-            <a:schemeClr val="accent1"/>
-          </a:lnRef>
-          <a:fillRef idx="0">
-            <a:schemeClr val="accent1"/>
-          </a:fillRef>
-          <a:effectRef idx="0">
-            <a:schemeClr val="accent1"/>
-          </a:effectRef>
-          <a:fontRef idx="minor">
-            <a:schemeClr val="tx1"/>
-          </a:fontRef>
-        </p:style>
-      </p:cxnSp>
-      <p:cxnSp>
-        <p:nvCxnSpPr>
-          <p:cNvPr id="86" name="Straight Connector 85">
-            <a:extLst>
-              <a:ext uri="{FF2B5EF4-FFF2-40B4-BE49-F238E27FC236}">
-                <a16:creationId xmlns:a16="http://schemas.microsoft.com/office/drawing/2014/main" id="{47FC3976-27DA-438D-B029-BB31871CED94}"/>
-              </a:ext>
-            </a:extLst>
-          </p:cNvPr>
-          <p:cNvCxnSpPr>
-            <a:cxnSpLocks/>
-            <a:stCxn id="63" idx="2"/>
-          </p:cNvCxnSpPr>
-          <p:nvPr/>
-        </p:nvCxnSpPr>
-        <p:spPr>
-          <a:xfrm>
-            <a:off x="10726457" y="3754988"/>
-            <a:ext cx="0" cy="1218625"/>
-          </a:xfrm>
-          <a:prstGeom prst="line">
-            <a:avLst/>
-          </a:prstGeom>
-          <a:ln w="38100"/>
-        </p:spPr>
-        <p:style>
-          <a:lnRef idx="1">
-            <a:schemeClr val="accent1"/>
-          </a:lnRef>
-          <a:fillRef idx="0">
-            <a:schemeClr val="accent1"/>
-          </a:fillRef>
-          <a:effectRef idx="0">
-            <a:schemeClr val="accent1"/>
-          </a:effectRef>
-          <a:fontRef idx="minor">
-            <a:schemeClr val="tx1"/>
-          </a:fontRef>
-        </p:style>
-      </p:cxnSp>
-      <p:sp>
-        <p:nvSpPr>
-          <p:cNvPr id="89" name="TextBox 88">
-            <a:extLst>
-              <a:ext uri="{FF2B5EF4-FFF2-40B4-BE49-F238E27FC236}">
-                <a16:creationId xmlns:a16="http://schemas.microsoft.com/office/drawing/2014/main" id="{A3EEEDE3-BC3A-49F1-9BB5-166F353CDF39}"/>
-              </a:ext>
-            </a:extLst>
-          </p:cNvPr>
-          <p:cNvSpPr txBox="1"/>
-          <p:nvPr/>
-        </p:nvSpPr>
-        <p:spPr>
-          <a:xfrm>
-            <a:off x="6489983" y="3779524"/>
-            <a:ext cx="2636937" cy="307777"/>
-          </a:xfrm>
-          <a:prstGeom prst="rect">
-            <a:avLst/>
-          </a:prstGeom>
-          <a:noFill/>
-        </p:spPr>
-        <p:txBody>
-          <a:bodyPr wrap="square" rtlCol="0">
-            <a:spAutoFit/>
-          </a:bodyPr>
-          <a:lstStyle/>
-          <a:p>
-            <a:pPr algn="ctr"/>
-            <a:r>
-              <a:rPr lang="sr-Cyrl-RS" sz="1400" dirty="0"/>
-              <a:t>Валидација над тест сетом</a:t>
-            </a:r>
-          </a:p>
-        </p:txBody>
-      </p:sp>
     </p:spTree>
     <p:extLst>
       <p:ext uri="{BB962C8B-B14F-4D97-AF65-F5344CB8AC3E}">
